--- a/docs/Funpack第二期演示文稿.pptx
+++ b/docs/Funpack第二期演示文稿.pptx
@@ -3789,10 +3789,10 @@
           </a:bodyPr>
           <a:p>
             <a:r>
-              <a:rPr lang="" altLang="zh-CN"/>
+              <a:rPr lang="en-US" altLang="zh-CN"/>
               <a:t>DC Power Input</a:t>
             </a:r>
-            <a:endParaRPr lang="" altLang="zh-CN"/>
+            <a:endParaRPr lang="en-US" altLang="zh-CN"/>
           </a:p>
         </p:txBody>
       </p:sp>
@@ -3818,10 +3818,10 @@
           </a:bodyPr>
           <a:p>
             <a:r>
-              <a:rPr lang="" altLang="zh-CN"/>
+              <a:rPr lang="en-US" altLang="zh-CN"/>
               <a:t>Type-C USB</a:t>
             </a:r>
-            <a:endParaRPr lang="" altLang="zh-CN"/>
+            <a:endParaRPr lang="en-US" altLang="zh-CN"/>
           </a:p>
         </p:txBody>
       </p:sp>
@@ -3847,10 +3847,10 @@
           </a:bodyPr>
           <a:p>
             <a:r>
-              <a:rPr lang="" altLang="zh-CN"/>
+              <a:rPr lang="en-US" altLang="zh-CN"/>
               <a:t>Reset Button</a:t>
             </a:r>
-            <a:endParaRPr lang="" altLang="zh-CN"/>
+            <a:endParaRPr lang="en-US" altLang="zh-CN"/>
           </a:p>
         </p:txBody>
       </p:sp>
@@ -3933,10 +3933,10 @@
             </a:bodyPr>
             <a:p>
               <a:r>
-                <a:rPr lang="" altLang="zh-CN"/>
+                <a:rPr lang="en-US" altLang="zh-CN"/>
                 <a:t>JTAG and Serial</a:t>
               </a:r>
-              <a:endParaRPr lang="" altLang="zh-CN"/>
+              <a:endParaRPr lang="en-US" altLang="zh-CN"/>
             </a:p>
           </p:txBody>
         </p:sp>
@@ -4015,10 +4015,10 @@
             </a:bodyPr>
             <a:p>
               <a:r>
-                <a:rPr lang="" altLang="zh-CN"/>
+                <a:rPr lang="en-US" altLang="zh-CN"/>
                 <a:t>32Mbit SPI Flash</a:t>
               </a:r>
-              <a:endParaRPr lang="" altLang="zh-CN"/>
+              <a:endParaRPr lang="en-US" altLang="zh-CN"/>
             </a:p>
           </p:txBody>
         </p:sp>
@@ -4142,10 +4142,10 @@
             </a:bodyPr>
             <a:p>
               <a:r>
-                <a:rPr lang="" altLang="zh-CN"/>
+                <a:rPr lang="en-US" altLang="zh-CN"/>
                 <a:t>SiFive FE310-G002</a:t>
               </a:r>
-              <a:endParaRPr lang="" altLang="zh-CN"/>
+              <a:endParaRPr lang="en-US" altLang="zh-CN"/>
             </a:p>
           </p:txBody>
         </p:sp>
@@ -4620,14 +4620,14 @@
                 <a:t>RV</a:t>
               </a:r>
               <a:r>
-                <a:rPr lang="" altLang="en-US"/>
+                <a:rPr lang="en-US" altLang="en-US"/>
                 <a:t>32IMAC </a:t>
               </a:r>
               <a:r>
-                <a:rPr lang="zh-CN" altLang=""/>
+                <a:rPr lang="zh-CN" altLang="en-US"/>
                 <a:t>指令集</a:t>
               </a:r>
-              <a:endParaRPr lang="zh-CN" altLang=""/>
+              <a:endParaRPr lang="zh-CN" altLang="en-US"/>
             </a:p>
           </p:txBody>
         </p:sp>
@@ -4658,20 +4658,20 @@
                 </a:lnSpc>
               </a:pPr>
               <a:r>
-                <a:rPr lang="" altLang="zh-CN">
+                <a:rPr lang="en-US" altLang="zh-CN">
                   <a:latin typeface="Courier" charset="0"/>
                   <a:cs typeface="Courier" charset="0"/>
                 </a:rPr>
                 <a:t>I</a:t>
               </a:r>
               <a:r>
-                <a:rPr lang="zh-CN" altLang="">
+                <a:rPr lang="zh-CN" altLang="en-US">
                   <a:latin typeface="Courier" charset="0"/>
                   <a:cs typeface="Courier" charset="0"/>
                 </a:rPr>
                 <a:t>：基本整数指令</a:t>
               </a:r>
-              <a:endParaRPr lang="zh-CN" altLang="">
+              <a:endParaRPr lang="zh-CN" altLang="en-US">
                 <a:latin typeface="Courier" charset="0"/>
                 <a:cs typeface="Courier" charset="0"/>
               </a:endParaRPr>
@@ -4763,9 +4763,9 @@
         <p:grpSpPr>
           <a:xfrm>
             <a:off x="9281795" y="1838325"/>
-            <a:ext cx="1423670" cy="3009900"/>
-            <a:chOff x="2053" y="2895"/>
-            <a:chExt cx="2242" cy="4740"/>
+            <a:ext cx="1517650" cy="3481705"/>
+            <a:chOff x="2261" y="2895"/>
+            <a:chExt cx="2390" cy="5483"/>
           </a:xfrm>
         </p:grpSpPr>
         <p:sp>
@@ -4777,7 +4777,7 @@
           <p:spPr>
             <a:xfrm>
               <a:off x="2291" y="3787"/>
-              <a:ext cx="1766" cy="3849"/>
+              <a:ext cx="2360" cy="4591"/>
             </a:xfrm>
             <a:prstGeom prst="rect">
               <a:avLst/>
@@ -4797,10 +4797,22 @@
                 <a:buChar char="•"/>
               </a:pPr>
               <a:r>
-                <a:rPr lang="" altLang="zh-CN"/>
+                <a:rPr lang="" altLang="en-US"/>
+                <a:t>2 </a:t>
+              </a:r>
+              <a:r>
+                <a:rPr lang="en-US" altLang="zh-CN"/>
+                <a:t>x</a:t>
+              </a:r>
+              <a:r>
+                <a:rPr lang="" altLang="en-US"/>
+                <a:t> </a:t>
+              </a:r>
+              <a:r>
+                <a:rPr lang="en-US" altLang="zh-CN"/>
                 <a:t>UART</a:t>
               </a:r>
-              <a:endParaRPr lang="" altLang="zh-CN"/>
+              <a:endParaRPr lang="en-US" altLang="zh-CN"/>
             </a:p>
             <a:p>
               <a:pPr marL="285750" indent="-285750">
@@ -4811,10 +4823,14 @@
                 <a:buChar char="•"/>
               </a:pPr>
               <a:r>
-                <a:rPr lang="" altLang="zh-CN"/>
+                <a:rPr lang="" altLang="en-US"/>
+                <a:t>1 x </a:t>
+              </a:r>
+              <a:r>
+                <a:rPr lang="en-US" altLang="zh-CN"/>
                 <a:t>QSPI</a:t>
               </a:r>
-              <a:endParaRPr lang="" altLang="zh-CN"/>
+              <a:endParaRPr lang="en-US" altLang="zh-CN"/>
             </a:p>
             <a:p>
               <a:pPr marL="285750" indent="-285750">
@@ -4825,10 +4841,10 @@
                 <a:buChar char="•"/>
               </a:pPr>
               <a:r>
-                <a:rPr lang="" altLang="zh-CN"/>
-                <a:t>I2C</a:t>
+                <a:rPr lang="" altLang="en-US"/>
+                <a:t>1 x SPI</a:t>
               </a:r>
-              <a:endParaRPr lang="" altLang="zh-CN"/>
+              <a:endParaRPr lang="en-US" altLang="zh-CN"/>
             </a:p>
             <a:p>
               <a:pPr marL="285750" indent="-285750">
@@ -4839,10 +4855,14 @@
                 <a:buChar char="•"/>
               </a:pPr>
               <a:r>
-                <a:rPr lang="" altLang="zh-CN"/>
-                <a:t>PWM</a:t>
+                <a:rPr lang="" altLang="en-US"/>
+                <a:t>1 x </a:t>
               </a:r>
-              <a:endParaRPr lang="" altLang="zh-CN"/>
+              <a:r>
+                <a:rPr lang="en-US" altLang="zh-CN"/>
+                <a:t>I2C</a:t>
+              </a:r>
+              <a:endParaRPr lang="en-US" altLang="zh-CN"/>
             </a:p>
             <a:p>
               <a:pPr marL="285750" indent="-285750">
@@ -4853,10 +4873,32 @@
                 <a:buChar char="•"/>
               </a:pPr>
               <a:r>
-                <a:rPr lang="" altLang="zh-CN"/>
+                <a:rPr lang="en-US" altLang="zh-CN"/>
+                <a:t>PWM</a:t>
+              </a:r>
+              <a:r>
+                <a:rPr lang="" altLang="en-US"/>
+                <a:t>s</a:t>
+              </a:r>
+              <a:endParaRPr lang="en-US" altLang="zh-CN"/>
+            </a:p>
+            <a:p>
+              <a:pPr marL="285750" indent="-285750">
+                <a:lnSpc>
+                  <a:spcPct val="170000"/>
+                </a:lnSpc>
+                <a:buFont typeface="Arial" panose="02080604020202020204" pitchFamily="34" charset="0"/>
+                <a:buChar char="•"/>
+              </a:pPr>
+              <a:r>
+                <a:rPr lang="en-US" altLang="zh-CN"/>
                 <a:t>Timer</a:t>
               </a:r>
-              <a:endParaRPr lang="" altLang="zh-CN"/>
+              <a:r>
+                <a:rPr lang="" altLang="en-US"/>
+                <a:t>s</a:t>
+              </a:r>
+              <a:endParaRPr lang="" altLang="en-US"/>
             </a:p>
           </p:txBody>
         </p:sp>
@@ -4868,7 +4910,7 @@
           </p:nvSpPr>
           <p:spPr>
             <a:xfrm>
-              <a:off x="2053" y="2895"/>
+              <a:off x="2261" y="2895"/>
               <a:ext cx="2243" cy="580"/>
             </a:xfrm>
             <a:prstGeom prst="rect">
@@ -4882,14 +4924,14 @@
             </a:bodyPr>
             <a:p>
               <a:r>
-                <a:rPr lang="" altLang="zh-CN"/>
+                <a:rPr lang="en-US" altLang="zh-CN"/>
                 <a:t>FE310 </a:t>
               </a:r>
               <a:r>
-                <a:rPr lang="zh-CN" altLang=""/>
+                <a:rPr lang="zh-CN" altLang="en-US"/>
                 <a:t>外设</a:t>
               </a:r>
-              <a:endParaRPr lang="zh-CN" altLang=""/>
+              <a:endParaRPr lang="zh-CN" altLang="en-US"/>
             </a:p>
           </p:txBody>
         </p:sp>
@@ -5226,14 +5268,14 @@
               </a:lnSpc>
             </a:pPr>
             <a:r>
-              <a:rPr lang="" altLang="zh-CN" sz="2000" b="1">
+              <a:rPr lang="en-US" altLang="zh-CN" sz="2000" b="1">
                 <a:solidFill>
                   <a:schemeClr val="bg1"/>
                 </a:solidFill>
               </a:rPr>
               <a:t>Sparkfun</a:t>
             </a:r>
-            <a:endParaRPr lang="" altLang="zh-CN" sz="2000" b="1">
+            <a:endParaRPr lang="en-US" altLang="zh-CN" sz="2000" b="1">
               <a:solidFill>
                 <a:schemeClr val="bg1"/>
               </a:solidFill>
@@ -5246,14 +5288,14 @@
               </a:lnSpc>
             </a:pPr>
             <a:r>
-              <a:rPr lang="" altLang="zh-CN" sz="2000" b="1">
+              <a:rPr lang="en-US" altLang="zh-CN" sz="2000" b="1">
                 <a:solidFill>
                   <a:schemeClr val="bg1"/>
                 </a:solidFill>
               </a:rPr>
               <a:t>RED-V</a:t>
             </a:r>
-            <a:endParaRPr lang="" altLang="zh-CN" sz="2000" b="1">
+            <a:endParaRPr lang="en-US" altLang="zh-CN" sz="2000" b="1">
               <a:solidFill>
                 <a:schemeClr val="bg1"/>
               </a:solidFill>
@@ -5428,10 +5470,10 @@
             </a:bodyPr>
             <a:p>
               <a:r>
-                <a:rPr lang="" altLang="zh-CN"/>
+                <a:rPr lang="en-US" altLang="zh-CN"/>
                 <a:t>PWM</a:t>
               </a:r>
-              <a:endParaRPr lang="" altLang="zh-CN"/>
+              <a:endParaRPr lang="en-US" altLang="zh-CN"/>
             </a:p>
           </p:txBody>
         </p:sp>
@@ -5457,10 +5499,10 @@
             </a:bodyPr>
             <a:p>
               <a:r>
-                <a:rPr lang="" altLang="zh-CN" sz="2000"/>
+                <a:rPr lang="en-US" altLang="zh-CN" sz="2000"/>
                 <a:t>LED</a:t>
               </a:r>
-              <a:endParaRPr lang="" altLang="zh-CN" sz="2000"/>
+              <a:endParaRPr lang="en-US" altLang="zh-CN" sz="2000"/>
             </a:p>
           </p:txBody>
         </p:sp>
@@ -5474,9 +5516,9 @@
         <p:grpSpPr>
           <a:xfrm>
             <a:off x="7257415" y="2635885"/>
-            <a:ext cx="3883025" cy="2279015"/>
+            <a:ext cx="3750945" cy="2279015"/>
             <a:chOff x="11429" y="4151"/>
-            <a:chExt cx="6115" cy="3589"/>
+            <a:chExt cx="5907" cy="3589"/>
           </a:xfrm>
         </p:grpSpPr>
         <p:sp>
@@ -5487,12 +5529,38 @@
           </p:nvSpPr>
           <p:spPr>
             <a:xfrm>
-              <a:off x="14142" y="4151"/>
+              <a:off x="13934" y="4151"/>
               <a:ext cx="3402" cy="2494"/>
             </a:xfrm>
             <a:prstGeom prst="roundRect">
               <a:avLst/>
             </a:prstGeom>
+            <a:gradFill>
+              <a:gsLst>
+                <a:gs pos="0">
+                  <a:srgbClr val="323232"/>
+                </a:gs>
+                <a:gs pos="0">
+                  <a:schemeClr val="accent1">
+                    <a:lumMod val="5000"/>
+                    <a:lumOff val="95000"/>
+                  </a:schemeClr>
+                </a:gs>
+                <a:gs pos="66000">
+                  <a:srgbClr val="323232"/>
+                </a:gs>
+                <a:gs pos="83000">
+                  <a:schemeClr val="tx1">
+                    <a:lumMod val="95000"/>
+                    <a:lumOff val="5000"/>
+                  </a:schemeClr>
+                </a:gs>
+                <a:gs pos="100000">
+                  <a:schemeClr val="tx1"/>
+                </a:gs>
+              </a:gsLst>
+              <a:lin ang="2700000" scaled="false"/>
+            </a:gradFill>
           </p:spPr>
           <p:style>
             <a:lnRef idx="2">
@@ -5526,7 +5594,7 @@
           </p:nvSpPr>
           <p:spPr>
             <a:xfrm>
-              <a:off x="14592" y="4718"/>
+              <a:off x="14358" y="4666"/>
               <a:ext cx="2502" cy="1501"/>
             </a:xfrm>
             <a:prstGeom prst="rect">
@@ -5567,7 +5635,7 @@
           <p:spPr>
             <a:xfrm flipV="true">
               <a:off x="11429" y="5398"/>
-              <a:ext cx="2713" cy="2"/>
+              <a:ext cx="2505" cy="2"/>
             </a:xfrm>
             <a:prstGeom prst="straightConnector1">
               <a:avLst/>
@@ -5602,7 +5670,7 @@
           </p:nvSpPr>
           <p:spPr>
             <a:xfrm>
-              <a:off x="14657" y="5108"/>
+              <a:off x="14423" y="5108"/>
               <a:ext cx="2371" cy="580"/>
             </a:xfrm>
             <a:prstGeom prst="rect">
@@ -5617,10 +5685,10 @@
             <a:p>
               <a:pPr algn="ctr"/>
               <a:r>
-                <a:rPr lang="" altLang="zh-CN"/>
+                <a:rPr lang="en-US" altLang="zh-CN"/>
                 <a:t>Hello World</a:t>
               </a:r>
-              <a:endParaRPr lang="" altLang="zh-CN"/>
+              <a:endParaRPr lang="en-US" altLang="zh-CN"/>
             </a:p>
           </p:txBody>
         </p:sp>
@@ -5632,7 +5700,7 @@
           </p:nvSpPr>
           <p:spPr>
             <a:xfrm>
-              <a:off x="12348" y="4635"/>
+              <a:off x="12140" y="4635"/>
               <a:ext cx="874" cy="580"/>
             </a:xfrm>
             <a:prstGeom prst="rect">
@@ -5646,10 +5714,10 @@
             </a:bodyPr>
             <a:p>
               <a:r>
-                <a:rPr lang="" altLang="zh-CN"/>
+                <a:rPr lang="en-US" altLang="zh-CN"/>
                 <a:t>I2C</a:t>
               </a:r>
-              <a:endParaRPr lang="" altLang="zh-CN"/>
+              <a:endParaRPr lang="en-US" altLang="zh-CN"/>
             </a:p>
           </p:txBody>
         </p:sp>
@@ -5661,7 +5729,7 @@
           </p:nvSpPr>
           <p:spPr>
             <a:xfrm>
-              <a:off x="15149" y="7112"/>
+              <a:off x="14941" y="7112"/>
               <a:ext cx="1387" cy="628"/>
             </a:xfrm>
             <a:prstGeom prst="rect">
@@ -5675,7 +5743,7 @@
             </a:bodyPr>
             <a:p>
               <a:r>
-                <a:rPr lang="" altLang="en-US" sz="2000"/>
+                <a:rPr lang="en-US" altLang="en-US" sz="2000"/>
                 <a:t>O</a:t>
               </a:r>
               <a:r>
@@ -5920,10 +5988,10 @@
               <a:t>使用</a:t>
             </a:r>
             <a:r>
-              <a:rPr lang="" altLang="zh-CN" sz="3600"/>
+              <a:rPr lang="en-US" altLang="zh-CN" sz="3600"/>
               <a:t> Arduino IDE</a:t>
             </a:r>
-            <a:endParaRPr lang="" altLang="zh-CN" sz="3600"/>
+            <a:endParaRPr lang="en-US" altLang="zh-CN" sz="3600"/>
           </a:p>
           <a:p>
             <a:pPr marL="571500" indent="-571500">
@@ -5934,14 +6002,14 @@
               <a:buChar char="•"/>
             </a:pPr>
             <a:r>
-              <a:rPr lang="zh-CN" altLang="" sz="3600"/>
+              <a:rPr lang="zh-CN" altLang="en-US" sz="3600"/>
               <a:t>使用</a:t>
             </a:r>
             <a:r>
-              <a:rPr lang="" altLang="zh-CN" sz="3600"/>
+              <a:rPr lang="en-US" altLang="zh-CN" sz="3600"/>
               <a:t> Freedom Studio</a:t>
             </a:r>
-            <a:endParaRPr lang="" altLang="zh-CN" sz="3600"/>
+            <a:endParaRPr lang="en-US" altLang="zh-CN" sz="3600"/>
           </a:p>
           <a:p>
             <a:pPr marL="571500" indent="-571500">
@@ -5952,7 +6020,7 @@
               <a:buChar char="•"/>
             </a:pPr>
             <a:r>
-              <a:rPr lang="zh-CN" altLang="" sz="3600"/>
+              <a:rPr lang="zh-CN" altLang="en-US" sz="3600"/>
               <a:t>使用</a:t>
             </a:r>
             <a:r>
@@ -5960,10 +6028,10 @@
               <a:t> </a:t>
             </a:r>
             <a:r>
-              <a:rPr lang="" altLang="en-US" sz="3600"/>
+              <a:rPr lang="en-US" altLang="en-US" sz="3600"/>
               <a:t>FreeRTOS</a:t>
             </a:r>
-            <a:endParaRPr lang="" altLang="en-US" sz="3600"/>
+            <a:endParaRPr lang="en-US" altLang="en-US" sz="3600"/>
           </a:p>
           <a:p>
             <a:pPr marL="571500" indent="-571500">
@@ -5974,7 +6042,7 @@
               <a:buChar char="•"/>
             </a:pPr>
             <a:r>
-              <a:rPr lang="zh-CN" altLang="" sz="3600"/>
+              <a:rPr lang="zh-CN" altLang="en-US" sz="3600"/>
               <a:t>使用</a:t>
             </a:r>
             <a:r>
@@ -5982,10 +6050,10 @@
               <a:t> </a:t>
             </a:r>
             <a:r>
-              <a:rPr lang="" altLang="en-US" sz="3600"/>
+              <a:rPr lang="en-US" altLang="en-US" sz="3600"/>
               <a:t>Zephyr</a:t>
             </a:r>
-            <a:endParaRPr lang="" altLang="en-US" sz="3600"/>
+            <a:endParaRPr lang="en-US" altLang="en-US" sz="3600"/>
           </a:p>
           <a:p>
             <a:pPr marL="571500" indent="-571500">
@@ -5996,7 +6064,7 @@
               <a:buChar char="•"/>
             </a:pPr>
             <a:r>
-              <a:rPr lang="zh-CN" altLang="" sz="3600"/>
+              <a:rPr lang="zh-CN" altLang="en-US" sz="3600"/>
               <a:t>使用</a:t>
             </a:r>
             <a:r>
@@ -6004,10 +6072,10 @@
               <a:t> </a:t>
             </a:r>
             <a:r>
-              <a:rPr lang="" altLang="en-US" sz="3600"/>
+              <a:rPr lang="en-US" altLang="en-US" sz="3600"/>
               <a:t>RT-Thread</a:t>
             </a:r>
-            <a:endParaRPr lang="" altLang="en-US" sz="3600"/>
+            <a:endParaRPr lang="en-US" altLang="en-US" sz="3600"/>
           </a:p>
         </p:txBody>
       </p:sp>
@@ -6034,7 +6102,7 @@
           <a:p>
             <a:pPr algn="ctr"/>
             <a:r>
-              <a:rPr lang="zh-CN" altLang="" sz="3600">
+              <a:rPr lang="zh-CN" altLang="en-US" sz="3600">
                 <a:solidFill>
                   <a:srgbClr val="CC0000"/>
                 </a:solidFill>
@@ -6043,7 +6111,7 @@
               </a:rPr>
               <a:t>★</a:t>
             </a:r>
-            <a:endParaRPr lang="zh-CN" altLang="" sz="3600">
+            <a:endParaRPr lang="zh-CN" altLang="en-US" sz="3600">
               <a:solidFill>
                 <a:srgbClr val="CC0000"/>
               </a:solidFill>

--- a/docs/Funpack第二期演示文稿.pptx
+++ b/docs/Funpack第二期演示文稿.pptx
@@ -8,7 +8,7 @@
     <p:notesMasterId r:id="rId4"/>
   </p:notesMasterIdLst>
   <p:handoutMasterIdLst>
-    <p:handoutMasterId r:id="rId12"/>
+    <p:handoutMasterId r:id="rId13"/>
   </p:handoutMasterIdLst>
   <p:sldIdLst>
     <p:sldId id="256" r:id="rId3"/>
@@ -19,6 +19,7 @@
     <p:sldId id="274" r:id="rId9"/>
     <p:sldId id="267" r:id="rId10"/>
     <p:sldId id="262" r:id="rId11"/>
+    <p:sldId id="287" r:id="rId12"/>
   </p:sldIdLst>
   <p:sldSz cx="12192000" cy="6858000"/>
   <p:notesSz cx="7103745" cy="10234295"/>
@@ -4259,7 +4260,7 @@
                             </p:stCondLst>
                             <p:childTnLst>
                               <p:par>
-                                <p:cTn id="5" presetID="1" presetClass="entr" presetSubtype="0" fill="hold" grpId="0" nodeType="clickEffect">
+                                <p:cTn id="5" presetID="1" presetClass="entr" presetSubtype="0" fill="hold" nodeType="clickEffect">
                                   <p:stCondLst>
                                     <p:cond delay="0"/>
                                   </p:stCondLst>
@@ -4272,7 +4273,7 @@
                                           </p:stCondLst>
                                         </p:cTn>
                                         <p:tgtEl>
-                                          <p:spTgt spid="6"/>
+                                          <p:spTgt spid="20"/>
                                         </p:tgtEl>
                                         <p:attrNameLst>
                                           <p:attrName>style.visibility</p:attrName>
@@ -4317,7 +4318,7 @@
                                           </p:stCondLst>
                                         </p:cTn>
                                         <p:tgtEl>
-                                          <p:spTgt spid="7"/>
+                                          <p:spTgt spid="6"/>
                                         </p:tgtEl>
                                         <p:attrNameLst>
                                           <p:attrName>style.visibility</p:attrName>
@@ -4362,7 +4363,7 @@
                                           </p:stCondLst>
                                         </p:cTn>
                                         <p:tgtEl>
-                                          <p:spTgt spid="8"/>
+                                          <p:spTgt spid="7"/>
                                         </p:tgtEl>
                                         <p:attrNameLst>
                                           <p:attrName>style.visibility</p:attrName>
@@ -4394,7 +4395,7 @@
                             </p:stCondLst>
                             <p:childTnLst>
                               <p:par>
-                                <p:cTn id="17" presetID="1" presetClass="entr" presetSubtype="0" fill="hold" nodeType="clickEffect">
+                                <p:cTn id="17" presetID="1" presetClass="entr" presetSubtype="0" fill="hold" grpId="0" nodeType="clickEffect">
                                   <p:stCondLst>
                                     <p:cond delay="0"/>
                                   </p:stCondLst>
@@ -4407,7 +4408,7 @@
                                           </p:stCondLst>
                                         </p:cTn>
                                         <p:tgtEl>
-                                          <p:spTgt spid="12"/>
+                                          <p:spTgt spid="8"/>
                                         </p:tgtEl>
                                         <p:attrNameLst>
                                           <p:attrName>style.visibility</p:attrName>
@@ -4452,7 +4453,7 @@
                                           </p:stCondLst>
                                         </p:cTn>
                                         <p:tgtEl>
-                                          <p:spTgt spid="19"/>
+                                          <p:spTgt spid="12"/>
                                         </p:tgtEl>
                                         <p:attrNameLst>
                                           <p:attrName>style.visibility</p:attrName>
@@ -4497,7 +4498,7 @@
                                           </p:stCondLst>
                                         </p:cTn>
                                         <p:tgtEl>
-                                          <p:spTgt spid="20"/>
+                                          <p:spTgt spid="19"/>
                                         </p:tgtEl>
                                         <p:attrNameLst>
                                           <p:attrName>style.visibility</p:attrName>
@@ -4797,7 +4798,7 @@
                 <a:buChar char="•"/>
               </a:pPr>
               <a:r>
-                <a:rPr lang="" altLang="en-US"/>
+                <a:rPr lang="en-US" altLang="en-US"/>
                 <a:t>2 </a:t>
               </a:r>
               <a:r>
@@ -4805,7 +4806,7 @@
                 <a:t>x</a:t>
               </a:r>
               <a:r>
-                <a:rPr lang="" altLang="en-US"/>
+                <a:rPr lang="en-US" altLang="en-US"/>
                 <a:t> </a:t>
               </a:r>
               <a:r>
@@ -4823,7 +4824,7 @@
                 <a:buChar char="•"/>
               </a:pPr>
               <a:r>
-                <a:rPr lang="" altLang="en-US"/>
+                <a:rPr lang="en-US" altLang="en-US"/>
                 <a:t>1 x </a:t>
               </a:r>
               <a:r>
@@ -4841,7 +4842,7 @@
                 <a:buChar char="•"/>
               </a:pPr>
               <a:r>
-                <a:rPr lang="" altLang="en-US"/>
+                <a:rPr lang="en-US" altLang="en-US"/>
                 <a:t>1 x SPI</a:t>
               </a:r>
               <a:endParaRPr lang="en-US" altLang="zh-CN"/>
@@ -4855,7 +4856,7 @@
                 <a:buChar char="•"/>
               </a:pPr>
               <a:r>
-                <a:rPr lang="" altLang="en-US"/>
+                <a:rPr lang="en-US" altLang="en-US"/>
                 <a:t>1 x </a:t>
               </a:r>
               <a:r>
@@ -4877,7 +4878,7 @@
                 <a:t>PWM</a:t>
               </a:r>
               <a:r>
-                <a:rPr lang="" altLang="en-US"/>
+                <a:rPr lang="en-US" altLang="en-US"/>
                 <a:t>s</a:t>
               </a:r>
               <a:endParaRPr lang="en-US" altLang="zh-CN"/>
@@ -4895,10 +4896,10 @@
                 <a:t>Timer</a:t>
               </a:r>
               <a:r>
-                <a:rPr lang="" altLang="en-US"/>
+                <a:rPr lang="en-US" altLang="en-US"/>
                 <a:t>s</a:t>
               </a:r>
-              <a:endParaRPr lang="" altLang="en-US"/>
+              <a:endParaRPr lang="en-US" altLang="en-US"/>
             </a:p>
           </p:txBody>
         </p:sp>
@@ -6406,6 +6407,142 @@
               <a:t>03</a:t>
             </a:r>
             <a:endParaRPr lang="en-US" altLang="zh-CN" sz="7200" b="1">
+              <a:solidFill>
+                <a:srgbClr val="CC0000"/>
+              </a:solidFill>
+              <a:effectLst/>
+            </a:endParaRPr>
+          </a:p>
+        </p:txBody>
+      </p:sp>
+    </p:spTree>
+  </p:cSld>
+  <p:clrMapOvr>
+    <a:masterClrMapping/>
+  </p:clrMapOvr>
+</p:sld>
+</file>
+
+<file path=ppt/slides/slide9.xml><?xml version="1.0" encoding="utf-8"?>
+<p:sld xmlns:a="http://schemas.openxmlformats.org/drawingml/2006/main" xmlns:r="http://schemas.openxmlformats.org/officeDocument/2006/relationships" xmlns:p="http://schemas.openxmlformats.org/presentationml/2006/main">
+  <p:cSld>
+    <p:bg>
+      <p:bgPr>
+        <a:solidFill>
+          <a:srgbClr val="202020"/>
+        </a:solidFill>
+        <a:effectLst/>
+      </p:bgPr>
+    </p:bg>
+    <p:spTree>
+      <p:nvGrpSpPr>
+        <p:cNvPr id="1" name=""/>
+        <p:cNvGrpSpPr/>
+        <p:nvPr/>
+      </p:nvGrpSpPr>
+      <p:grpSpPr/>
+      <p:sp>
+        <p:nvSpPr>
+          <p:cNvPr id="4" name="文本框 3"/>
+          <p:cNvSpPr txBox="true"/>
+          <p:nvPr/>
+        </p:nvSpPr>
+        <p:spPr>
+          <a:xfrm>
+            <a:off x="256540" y="3013710"/>
+            <a:ext cx="11679555" cy="829945"/>
+          </a:xfrm>
+          <a:prstGeom prst="rect">
+            <a:avLst/>
+          </a:prstGeom>
+          <a:noFill/>
+        </p:spPr>
+        <p:txBody>
+          <a:bodyPr wrap="square" rtlCol="0">
+            <a:spAutoFit/>
+            <a:scene3d>
+              <a:camera prst="orthographicFront"/>
+              <a:lightRig rig="soft" dir="t">
+                <a:rot lat="0" lon="0" rev="15600000"/>
+              </a:lightRig>
+            </a:scene3d>
+            <a:sp3d extrusionH="57150" prstMaterial="softEdge">
+              <a:bevelT w="25400" h="38100"/>
+            </a:sp3d>
+          </a:bodyPr>
+          <a:p>
+            <a:pPr algn="ctr"/>
+            <a:r>
+              <a:rPr lang="en-US" altLang="zh-CN" sz="4800">
+                <a:solidFill>
+                  <a:srgbClr val="CC0000"/>
+                </a:solidFill>
+                <a:effectLst/>
+              </a:rPr>
+              <a:t>RED</a:t>
+            </a:r>
+            <a:r>
+              <a:rPr lang="" altLang="en-US" sz="4800">
+                <a:solidFill>
+                  <a:srgbClr val="CC0000"/>
+                </a:solidFill>
+                <a:effectLst/>
+              </a:rPr>
+              <a:t>-V + RT-Thread</a:t>
+            </a:r>
+            <a:endParaRPr lang="" altLang="en-US" sz="4800">
+              <a:solidFill>
+                <a:srgbClr val="CC0000"/>
+              </a:solidFill>
+              <a:effectLst/>
+            </a:endParaRPr>
+          </a:p>
+        </p:txBody>
+      </p:sp>
+      <p:sp>
+        <p:nvSpPr>
+          <p:cNvPr id="5" name="矩形 4"/>
+          <p:cNvSpPr/>
+          <p:nvPr/>
+        </p:nvSpPr>
+        <p:spPr>
+          <a:xfrm>
+            <a:off x="5086985" y="1229360"/>
+            <a:ext cx="2019300" cy="1198880"/>
+          </a:xfrm>
+          <a:prstGeom prst="rect">
+            <a:avLst/>
+          </a:prstGeom>
+          <a:noFill/>
+          <a:ln>
+            <a:noFill/>
+          </a:ln>
+        </p:spPr>
+        <p:txBody>
+          <a:bodyPr wrap="none" rtlCol="0" anchor="t">
+            <a:spAutoFit/>
+            <a:scene3d>
+              <a:camera prst="orthographicFront"/>
+              <a:lightRig rig="soft" dir="t">
+                <a:rot lat="0" lon="0" rev="15600000"/>
+              </a:lightRig>
+            </a:scene3d>
+            <a:sp3d extrusionH="57150" prstMaterial="softEdge">
+              <a:bevelT w="25400" h="38100"/>
+            </a:sp3d>
+          </a:bodyPr>
+          <a:p>
+            <a:pPr algn="ctr"/>
+            <a:r>
+              <a:rPr lang="zh-CN" altLang="" sz="7200" b="1">
+                <a:solidFill>
+                  <a:srgbClr val="CC0000"/>
+                </a:solidFill>
+                <a:effectLst/>
+              </a:rPr>
+              <a:t>彩蛋</a:t>
+            </a:r>
+            <a:endParaRPr lang="zh-CN" altLang="" sz="7200" b="1">
               <a:solidFill>
                 <a:srgbClr val="CC0000"/>
               </a:solidFill>
